--- a/PPTs/Fire Department Calls for service Analytics_Pramod.pptx
+++ b/PPTs/Fire Department Calls for service Analytics_Pramod.pptx
@@ -5732,14 +5732,21 @@
           <a:p>
             <a:r>
               <a:rPr lang="en-US" b="1" dirty="0"/>
-              <a:t>GitHub: </a:t>
-            </a:r>
-            <a:r>
-              <a:rPr lang="en-US" sz="1800" dirty="0">
+              <a:t>GitHub</a:t>
+            </a:r>
+            <a:r>
+              <a:rPr lang="en-US" b="1"/>
+              <a:t>: </a:t>
+            </a:r>
+            <a:r>
+              <a:rPr lang="en-US" sz="1800">
                 <a:hlinkClick r:id="rId3"/>
               </a:rPr>
-              <a:t>https://github.com/pramodcgupta/MMC_Usecases/blob/main/EDA/Fire_Dept_Calls_Analytics.ipynb</a:t>
-            </a:r>
+              <a:t>https://nbviewer.org/github/pramodcgupta/MMC_Usecases/blob/main/Fire_Dept_Calls_Analytics.ipynb</a:t>
+            </a:r>
+            <a:endParaRPr lang="en-US" sz="1800"/>
+          </a:p>
+          <a:p>
             <a:endParaRPr lang="en-US" sz="1800" dirty="0"/>
           </a:p>
           <a:p>
